--- a/Chapter 4 - Requirements Engineering.pptx
+++ b/Chapter 4 - Requirements Engineering.pptx
@@ -5384,7 +5384,7 @@
           <p:nvPr/>
         </p:nvPicPr>
         <mc:AlternateContent xmlns:mc="http://schemas.openxmlformats.org/markup-compatibility/2006">
-          <mc:Choice xmlns:ma="http://schemas.microsoft.com/office/mac/drawingml/2008/main" xmlns:mv="urn:schemas-microsoft-com:mac:vml" xmlns="" Requires="ma">
+          <mc:Choice xmlns="" xmlns:mv="urn:schemas-microsoft-com:mac:vml" xmlns:ma="http://schemas.microsoft.com/office/mac/drawingml/2008/main" Requires="ma">
             <p:blipFill>
               <a:blip r:embed="rId2"/>
               <a:stretch>
@@ -9443,7 +9443,7 @@
           <p:nvPr/>
         </p:nvPicPr>
         <mc:AlternateContent xmlns:mc="http://schemas.openxmlformats.org/markup-compatibility/2006">
-          <mc:Choice xmlns:ma="http://schemas.microsoft.com/office/mac/drawingml/2008/main" xmlns:mv="urn:schemas-microsoft-com:mac:vml" xmlns="" Requires="ma">
+          <mc:Choice xmlns="" xmlns:mv="urn:schemas-microsoft-com:mac:vml" xmlns:ma="http://schemas.microsoft.com/office/mac/drawingml/2008/main" Requires="ma">
             <p:blipFill>
               <a:blip r:embed="rId2"/>
               <a:stretch>
@@ -12070,7 +12070,15 @@
           <a:p>
             <a:r>
               <a:rPr lang="en-US" dirty="0" smtClean="0"/>
-              <a:t>The process of writing don the user and system requirements in a requirements document.</a:t>
+              <a:t>The process of writing </a:t>
+            </a:r>
+            <a:r>
+              <a:rPr lang="en-US" dirty="0" smtClean="0"/>
+              <a:t>the </a:t>
+            </a:r>
+            <a:r>
+              <a:rPr lang="en-US" dirty="0" smtClean="0"/>
+              <a:t>user and system requirements in a requirements document.</a:t>
             </a:r>
           </a:p>
           <a:p>
@@ -13863,40 +13871,40 @@
           <a:lstStyle/>
           <a:p>
             <a:r>
-              <a:rPr lang="en-GB"/>
+              <a:rPr lang="en-GB" dirty="0"/>
               <a:t>Lack of clarity </a:t>
             </a:r>
           </a:p>
           <a:p>
             <a:pPr lvl="1"/>
             <a:r>
-              <a:rPr lang="en-GB"/>
+              <a:rPr lang="en-GB" dirty="0"/>
               <a:t>Precision is difficult without making the document difficult to read.</a:t>
             </a:r>
           </a:p>
           <a:p>
             <a:r>
-              <a:rPr lang="en-GB"/>
+              <a:rPr lang="en-GB" dirty="0"/>
               <a:t>Requirements confusion</a:t>
             </a:r>
           </a:p>
           <a:p>
             <a:pPr lvl="1"/>
             <a:r>
-              <a:rPr lang="en-GB"/>
+              <a:rPr lang="en-GB" dirty="0"/>
               <a:t>Functional and non-functional requirements tend to be mixed-up.</a:t>
             </a:r>
           </a:p>
           <a:p>
             <a:r>
-              <a:rPr lang="en-GB"/>
+              <a:rPr lang="en-GB" dirty="0"/>
               <a:t>Requirements amalgamation</a:t>
             </a:r>
           </a:p>
           <a:p>
             <a:pPr lvl="1"/>
             <a:r>
-              <a:rPr lang="en-GB"/>
+              <a:rPr lang="en-GB" dirty="0"/>
               <a:t>Several different requirements may be expressed together.</a:t>
             </a:r>
           </a:p>
@@ -13968,11 +13976,17 @@
           <p:cNvGraphicFramePr>
             <a:graphicFrameLocks noGrp="1"/>
           </p:cNvGraphicFramePr>
-          <p:nvPr/>
+          <p:nvPr>
+            <p:extLst>
+              <p:ext uri="{D42A27DB-BD31-4B8C-83A1-F6EECF244321}">
+                <p14:modId xmlns:p14="http://schemas.microsoft.com/office/powerpoint/2010/main" val="3329959369"/>
+              </p:ext>
+            </p:extLst>
+          </p:nvPr>
         </p:nvGraphicFramePr>
         <p:xfrm>
-          <a:off x="1524000" y="2209800"/>
-          <a:ext cx="6096000" cy="3383280"/>
+          <a:off x="457200" y="1916832"/>
+          <a:ext cx="8229600" cy="4480560"/>
         </p:xfrm>
         <a:graphic>
           <a:graphicData uri="http://schemas.openxmlformats.org/drawingml/2006/table">
@@ -13981,7 +13995,7 @@
                 <a:tableStyleId>{69CF1AB2-1976-4502-BF36-3FF5EA218861}</a:tableStyleId>
               </a:tblPr>
               <a:tblGrid>
-                <a:gridCol w="6096000">
+                <a:gridCol w="8229600">
                   <a:extLst>
                     <a:ext uri="{9D8B030D-6E8A-4147-A177-3AD203B41FA5}">
                       <a16:colId xmlns:a16="http://schemas.microsoft.com/office/drawing/2014/main" val="20000"/>
@@ -13989,36 +14003,36 @@
                   </a:extLst>
                 </a:gridCol>
               </a:tblGrid>
-              <a:tr h="370840">
+              <a:tr h="4248472">
                 <a:tc>
                   <a:txBody>
                     <a:bodyPr/>
                     <a:lstStyle/>
                     <a:p>
                       <a:r>
-                        <a:rPr lang="en-GB" sz="1800" b="0" kern="1200" dirty="0" smtClean="0"/>
+                        <a:rPr lang="en-GB" sz="2400" b="0" kern="1200" dirty="0" smtClean="0"/>
                         <a:t>3.2 The system shall measure the blood sugar and deliver insulin, if required, every 10 minutes.</a:t>
                       </a:r>
                       <a:r>
-                        <a:rPr lang="en-GB" sz="1800" b="0" i="1" kern="1200" dirty="0" smtClean="0"/>
+                        <a:rPr lang="en-GB" sz="2400" b="0" i="1" kern="1200" dirty="0" smtClean="0"/>
                         <a:t> (Changes in blood sugar are relatively slow so more frequent measurement is unnecessary; less frequent measurement could lead to unnecessarily high sugar levels.)</a:t>
                       </a:r>
                     </a:p>
                     <a:p>
-                      <a:endParaRPr lang="en-GB" sz="1800" b="0" kern="1200" dirty="0" smtClean="0"/>
+                      <a:endParaRPr lang="en-GB" sz="2400" b="0" kern="1200" dirty="0" smtClean="0"/>
                     </a:p>
                     <a:p>
                       <a:r>
-                        <a:rPr lang="en-GB" sz="1800" b="0" kern="1200" dirty="0" smtClean="0"/>
+                        <a:rPr lang="en-GB" sz="2400" b="0" kern="1200" dirty="0" smtClean="0"/>
                         <a:t>3.6 The system shall run a self-test routine every minute with the conditions to be tested and the associated actions defined in Table 1.</a:t>
                       </a:r>
                       <a:r>
-                        <a:rPr lang="en-GB" sz="1800" b="0" i="1" kern="1200" dirty="0" smtClean="0"/>
+                        <a:rPr lang="en-GB" sz="2400" b="0" i="1" kern="1200" dirty="0" smtClean="0"/>
                         <a:t> (A self-test routine can discover hardware and software problems and alert the user to the fact the normal operation may be impossible.)</a:t>
                       </a:r>
                     </a:p>
                     <a:p>
-                      <a:endParaRPr lang="en-US" dirty="0"/>
+                      <a:endParaRPr lang="en-US" sz="2400" dirty="0"/>
                     </a:p>
                   </a:txBody>
                   <a:tcPr/>
@@ -17386,7 +17400,7 @@
           <p:nvPr/>
         </p:nvPicPr>
         <mc:AlternateContent xmlns:mc="http://schemas.openxmlformats.org/markup-compatibility/2006">
-          <mc:Choice xmlns:ma="http://schemas.microsoft.com/office/mac/drawingml/2008/main" xmlns:mv="urn:schemas-microsoft-com:mac:vml" xmlns="" Requires="ma">
+          <mc:Choice xmlns="" xmlns:mv="urn:schemas-microsoft-com:mac:vml" xmlns:ma="http://schemas.microsoft.com/office/mac/drawingml/2008/main" Requires="ma">
             <p:blipFill>
               <a:blip r:embed="rId2"/>
               <a:stretch>
@@ -18996,7 +19010,7 @@
               </a:lnSpc>
             </a:pPr>
             <a:r>
-              <a:rPr lang="en-US" sz="2400"/>
+              <a:rPr lang="en-US" sz="2400" dirty="0"/>
               <a:t>Normally a mix of closed and open-ended interviewing.</a:t>
             </a:r>
           </a:p>
@@ -19007,7 +19021,7 @@
               </a:lnSpc>
             </a:pPr>
             <a:r>
-              <a:rPr lang="en-US" sz="2400"/>
+              <a:rPr lang="en-US" sz="2400" dirty="0"/>
               <a:t>Interviews are good for getting an overall understanding of what stakeholders do and how they might interact with the system.</a:t>
             </a:r>
           </a:p>
@@ -19018,7 +19032,7 @@
               </a:lnSpc>
             </a:pPr>
             <a:r>
-              <a:rPr lang="en-US" sz="2400"/>
+              <a:rPr lang="en-US" sz="2400" dirty="0"/>
               <a:t>Interviews are not good for understanding domain requirements</a:t>
             </a:r>
           </a:p>
@@ -19029,7 +19043,7 @@
               </a:lnSpc>
             </a:pPr>
             <a:r>
-              <a:rPr lang="en-US" sz="2000"/>
+              <a:rPr lang="en-US" sz="2000" dirty="0"/>
               <a:t>Requirements engineers cannot understand specific domain terminology;</a:t>
             </a:r>
           </a:p>
@@ -19040,7 +19054,7 @@
               </a:lnSpc>
             </a:pPr>
             <a:r>
-              <a:rPr lang="en-US" sz="2000"/>
+              <a:rPr lang="en-US" sz="2000" dirty="0"/>
               <a:t>Some domain knowledge is so familiar that people find it hard to articulate or think that it isn’t worth articulating.</a:t>
             </a:r>
           </a:p>
@@ -19784,7 +19798,7 @@
           <a:lstStyle/>
           <a:p>
             <a:r>
-              <a:rPr lang="en-GB"/>
+              <a:rPr lang="en-GB" dirty="0"/>
               <a:t>Ethnography</a:t>
             </a:r>
           </a:p>
@@ -19968,7 +19982,15 @@
           <a:p>
             <a:r>
               <a:rPr lang="en-GB" dirty="0"/>
-              <a:t>Requirements that are derived from the way that people actually work rather than the way I which process definitions suggest that they ought to work.</a:t>
+              <a:t>Requirements that are derived from the way that people actually work rather than the way </a:t>
+            </a:r>
+            <a:r>
+              <a:rPr lang="en-GB" dirty="0" smtClean="0"/>
+              <a:t>which </a:t>
+            </a:r>
+            <a:r>
+              <a:rPr lang="en-GB" dirty="0"/>
+              <a:t>process definitions suggest that they ought to work.</a:t>
             </a:r>
           </a:p>
           <a:p>
@@ -20103,7 +20125,7 @@
           <a:lstStyle/>
           <a:p>
             <a:r>
-              <a:rPr lang="en-GB"/>
+              <a:rPr lang="en-GB" dirty="0"/>
               <a:t>Focused ethnography</a:t>
             </a:r>
           </a:p>
@@ -20437,7 +20459,7 @@
           <p:nvPr/>
         </p:nvPicPr>
         <mc:AlternateContent xmlns:mc="http://schemas.openxmlformats.org/markup-compatibility/2006">
-          <mc:Choice xmlns:ma="http://schemas.microsoft.com/office/mac/drawingml/2008/main" xmlns:mv="urn:schemas-microsoft-com:mac:vml" xmlns="" Requires="ma">
+          <mc:Choice xmlns="" xmlns:mv="urn:schemas-microsoft-com:mac:vml" xmlns:ma="http://schemas.microsoft.com/office/mac/drawingml/2008/main" Requires="ma">
             <p:blipFill>
               <a:blip r:embed="rId2"/>
               <a:stretch>
@@ -22054,7 +22076,7 @@
           <p:nvPr/>
         </p:nvPicPr>
         <mc:AlternateContent xmlns:mc="http://schemas.openxmlformats.org/markup-compatibility/2006">
-          <mc:Choice xmlns:ma="http://schemas.microsoft.com/office/mac/drawingml/2008/main" xmlns:mv="urn:schemas-microsoft-com:mac:vml" xmlns="" Requires="ma">
+          <mc:Choice xmlns="" xmlns:mv="urn:schemas-microsoft-com:mac:vml" xmlns:ma="http://schemas.microsoft.com/office/mac/drawingml/2008/main" Requires="ma">
             <p:blipFill>
               <a:blip r:embed="rId2"/>
               <a:stretch>
@@ -22471,7 +22493,7 @@
           <p:nvPr/>
         </p:nvPicPr>
         <mc:AlternateContent xmlns:mc="http://schemas.openxmlformats.org/markup-compatibility/2006">
-          <mc:Choice xmlns:ma="http://schemas.microsoft.com/office/mac/drawingml/2008/main" xmlns:mv="urn:schemas-microsoft-com:mac:vml" xmlns="" Requires="ma">
+          <mc:Choice xmlns="" xmlns:mv="urn:schemas-microsoft-com:mac:vml" xmlns:ma="http://schemas.microsoft.com/office/mac/drawingml/2008/main" Requires="ma">
             <p:blipFill>
               <a:blip r:embed="rId2"/>
               <a:stretch>
@@ -22855,7 +22877,7 @@
           <p:nvPr/>
         </p:nvPicPr>
         <mc:AlternateContent xmlns:mc="http://schemas.openxmlformats.org/markup-compatibility/2006">
-          <mc:Choice xmlns:ma="http://schemas.microsoft.com/office/mac/drawingml/2008/main" xmlns:mv="urn:schemas-microsoft-com:mac:vml" xmlns="" Requires="ma">
+          <mc:Choice xmlns="" xmlns:mv="urn:schemas-microsoft-com:mac:vml" xmlns:ma="http://schemas.microsoft.com/office/mac/drawingml/2008/main" Requires="ma">
             <p:blipFill>
               <a:blip r:embed="rId2"/>
               <a:stretch>
@@ -23107,6 +23129,13 @@
   <p:clrMapOvr>
     <a:masterClrMapping/>
   </p:clrMapOvr>
+  <p:timing>
+    <p:tnLst>
+      <p:par>
+        <p:cTn id="1" dur="indefinite" restart="never" nodeType="tmRoot"/>
+      </p:par>
+    </p:tnLst>
+  </p:timing>
 </p:sld>
 </file>
 
